--- a/Labs/CS418-Lab2-2019.pptx
+++ b/Labs/CS418-Lab2-2019.pptx
@@ -220,7 +220,7 @@
           <a:p>
             <a:fld id="{564DAAA6-4117-4992-859F-BAA0EB4FC72C}" type="datetimeFigureOut">
               <a:rPr lang="en-US" smtClean="0"/>
-              <a:t>2/13/2019</a:t>
+              <a:t>2/24/2020</a:t>
             </a:fld>
             <a:endParaRPr lang="en-US"/>
           </a:p>
@@ -977,7 +977,7 @@
           <a:p>
             <a:fld id="{CF64A208-0694-964E-93B1-EAF2C4DF2BAD}" type="datetimeFigureOut">
               <a:rPr lang="en-US" smtClean="0"/>
-              <a:t>2/13/2019</a:t>
+              <a:t>2/24/2020</a:t>
             </a:fld>
             <a:endParaRPr lang="en-US"/>
           </a:p>
@@ -1184,7 +1184,7 @@
             <a:fld id="{CF64A208-0694-964E-93B1-EAF2C4DF2BAD}" type="datetimeFigureOut">
               <a:rPr lang="en-US" smtClean="0"/>
               <a:pPr/>
-              <a:t>2/13/2019</a:t>
+              <a:t>2/24/2020</a:t>
             </a:fld>
             <a:endParaRPr lang="en-US" dirty="0"/>
           </a:p>
@@ -1414,7 +1414,7 @@
             <a:fld id="{CF64A208-0694-964E-93B1-EAF2C4DF2BAD}" type="datetimeFigureOut">
               <a:rPr lang="en-US" smtClean="0"/>
               <a:pPr/>
-              <a:t>2/13/2019</a:t>
+              <a:t>2/24/2020</a:t>
             </a:fld>
             <a:endParaRPr lang="en-US" dirty="0"/>
           </a:p>
@@ -1627,7 +1627,7 @@
           <a:p>
             <a:fld id="{CF64A208-0694-964E-93B1-EAF2C4DF2BAD}" type="datetimeFigureOut">
               <a:rPr lang="en-US" smtClean="0"/>
-              <a:t>2/13/2019</a:t>
+              <a:t>2/24/2020</a:t>
             </a:fld>
             <a:endParaRPr lang="en-US"/>
           </a:p>
@@ -1882,7 +1882,7 @@
             <a:fld id="{CF64A208-0694-964E-93B1-EAF2C4DF2BAD}" type="datetimeFigureOut">
               <a:rPr lang="en-US" smtClean="0"/>
               <a:pPr/>
-              <a:t>2/13/2019</a:t>
+              <a:t>2/24/2020</a:t>
             </a:fld>
             <a:endParaRPr lang="en-US" dirty="0"/>
           </a:p>
@@ -2182,7 +2182,7 @@
           <a:p>
             <a:fld id="{CF64A208-0694-964E-93B1-EAF2C4DF2BAD}" type="datetimeFigureOut">
               <a:rPr lang="en-US" smtClean="0"/>
-              <a:t>2/13/2019</a:t>
+              <a:t>2/24/2020</a:t>
             </a:fld>
             <a:endParaRPr lang="en-US"/>
           </a:p>
@@ -2615,7 +2615,7 @@
             <a:fld id="{CF64A208-0694-964E-93B1-EAF2C4DF2BAD}" type="datetimeFigureOut">
               <a:rPr lang="en-US" smtClean="0"/>
               <a:pPr/>
-              <a:t>2/13/2019</a:t>
+              <a:t>2/24/2020</a:t>
             </a:fld>
             <a:endParaRPr lang="en-US" dirty="0"/>
           </a:p>
@@ -2758,7 +2758,7 @@
             <a:fld id="{CF64A208-0694-964E-93B1-EAF2C4DF2BAD}" type="datetimeFigureOut">
               <a:rPr lang="en-US" smtClean="0"/>
               <a:pPr/>
-              <a:t>2/13/2019</a:t>
+              <a:t>2/24/2020</a:t>
             </a:fld>
             <a:endParaRPr lang="en-US" dirty="0"/>
           </a:p>
@@ -2873,7 +2873,7 @@
             <a:fld id="{CF64A208-0694-964E-93B1-EAF2C4DF2BAD}" type="datetimeFigureOut">
               <a:rPr lang="en-US" smtClean="0"/>
               <a:pPr/>
-              <a:t>2/13/2019</a:t>
+              <a:t>2/24/2020</a:t>
             </a:fld>
             <a:endParaRPr lang="en-US" dirty="0"/>
           </a:p>
@@ -3182,7 +3182,7 @@
             <a:fld id="{CF64A208-0694-964E-93B1-EAF2C4DF2BAD}" type="datetimeFigureOut">
               <a:rPr lang="en-US" smtClean="0"/>
               <a:pPr/>
-              <a:t>2/13/2019</a:t>
+              <a:t>2/24/2020</a:t>
             </a:fld>
             <a:endParaRPr lang="en-US" dirty="0"/>
           </a:p>
@@ -3463,7 +3463,7 @@
             <a:fld id="{CF64A208-0694-964E-93B1-EAF2C4DF2BAD}" type="datetimeFigureOut">
               <a:rPr lang="en-US" smtClean="0"/>
               <a:pPr/>
-              <a:t>2/13/2019</a:t>
+              <a:t>2/24/2020</a:t>
             </a:fld>
             <a:endParaRPr lang="en-US" dirty="0"/>
           </a:p>
@@ -3687,7 +3687,7 @@
           <a:p>
             <a:fld id="{CF64A208-0694-964E-93B1-EAF2C4DF2BAD}" type="datetimeFigureOut">
               <a:rPr lang="en-US" smtClean="0"/>
-              <a:t>2/13/2019</a:t>
+              <a:t>2/24/2020</a:t>
             </a:fld>
             <a:endParaRPr lang="en-US"/>
           </a:p>
@@ -7051,7 +7051,7 @@
         <p:spPr>
           <a:xfrm>
             <a:off x="203199" y="1427400"/>
-            <a:ext cx="7968555" cy="4570482"/>
+            <a:ext cx="7968555" cy="3924151"/>
           </a:xfrm>
           <a:prstGeom prst="rect">
             <a:avLst/>
@@ -7072,7 +7072,7 @@
                 <a:latin typeface="Lato" panose="020F0502020204030203" pitchFamily="34" charset="0"/>
                 <a:cs typeface="Century Gothic"/>
               </a:rPr>
-              <a:t>In order to </a:t>
+              <a:t>To </a:t>
             </a:r>
             <a:r>
               <a:rPr lang="en-US" sz="2100" b="1" i="1" spc="-10" dirty="0">
@@ -7092,7 +7092,7 @@
                 <a:latin typeface="Lato" panose="020F0502020204030203" pitchFamily="34" charset="0"/>
                 <a:cs typeface="Century Gothic"/>
               </a:rPr>
-              <a:t> the mesh in a realistic way we will need </a:t>
+              <a:t> the mesh we need </a:t>
             </a:r>
             <a:r>
               <a:rPr lang="en-US" sz="2100" b="1" i="1" spc="-10" dirty="0">
@@ -7122,10 +7122,7 @@
             </a:endParaRPr>
           </a:p>
           <a:p>
-            <a:pPr marL="355600" indent="-342900">
-              <a:buFont typeface="Arial" panose="020B0604020202020204" pitchFamily="34" charset="0"/>
-              <a:buChar char="•"/>
-            </a:pPr>
+            <a:pPr marL="12700"/>
             <a:r>
               <a:rPr lang="en-US" sz="2100" spc="-10" dirty="0">
                 <a:solidFill>
@@ -7152,22 +7149,6 @@
               <a:latin typeface="Lato" panose="020F0502020204030203" pitchFamily="34" charset="0"/>
               <a:cs typeface="Century Gothic"/>
             </a:endParaRPr>
-          </a:p>
-          <a:p>
-            <a:pPr marL="355600" indent="-342900">
-              <a:buFont typeface="Arial" panose="020B0604020202020204" pitchFamily="34" charset="0"/>
-              <a:buChar char="•"/>
-            </a:pPr>
-            <a:r>
-              <a:rPr lang="en-US" sz="2100" spc="-10" dirty="0">
-                <a:solidFill>
-                  <a:srgbClr val="595959"/>
-                </a:solidFill>
-                <a:latin typeface="Lato" panose="020F0502020204030203" pitchFamily="34" charset="0"/>
-                <a:cs typeface="Century Gothic"/>
-              </a:rPr>
-              <a:t>We will discuss how the vectors are used in shading next week</a:t>
-            </a:r>
           </a:p>
           <a:p>
             <a:pPr marL="12700"/>
